--- a/CPP/pics/pics.pptx
+++ b/CPP/pics/pics.pptx
@@ -11,6 +11,7 @@
     <p:sldId id="259" r:id="rId5"/>
     <p:sldId id="260" r:id="rId6"/>
     <p:sldId id="261" r:id="rId7"/>
+    <p:sldId id="262" r:id="rId8"/>
   </p:sldIdLst>
   <p:sldSz cx="10690225" cy="7559675"/>
   <p:notesSz cx="6858000" cy="9144000"/>
@@ -248,7 +249,7 @@
           <a:p>
             <a:fld id="{C722BAD0-F409-41BB-929B-B4575BCF33BC}" type="datetimeFigureOut">
               <a:rPr lang="zh-CN" altLang="en-US" smtClean="0"/>
-              <a:t>2021/06/25</a:t>
+              <a:t>2021/08/05</a:t>
             </a:fld>
             <a:endParaRPr lang="zh-CN" altLang="en-US"/>
           </a:p>
@@ -418,7 +419,7 @@
           <a:p>
             <a:fld id="{C722BAD0-F409-41BB-929B-B4575BCF33BC}" type="datetimeFigureOut">
               <a:rPr lang="zh-CN" altLang="en-US" smtClean="0"/>
-              <a:t>2021/06/25</a:t>
+              <a:t>2021/08/05</a:t>
             </a:fld>
             <a:endParaRPr lang="zh-CN" altLang="en-US"/>
           </a:p>
@@ -598,7 +599,7 @@
           <a:p>
             <a:fld id="{C722BAD0-F409-41BB-929B-B4575BCF33BC}" type="datetimeFigureOut">
               <a:rPr lang="zh-CN" altLang="en-US" smtClean="0"/>
-              <a:t>2021/06/25</a:t>
+              <a:t>2021/08/05</a:t>
             </a:fld>
             <a:endParaRPr lang="zh-CN" altLang="en-US"/>
           </a:p>
@@ -768,7 +769,7 @@
           <a:p>
             <a:fld id="{C722BAD0-F409-41BB-929B-B4575BCF33BC}" type="datetimeFigureOut">
               <a:rPr lang="zh-CN" altLang="en-US" smtClean="0"/>
-              <a:t>2021/06/25</a:t>
+              <a:t>2021/08/05</a:t>
             </a:fld>
             <a:endParaRPr lang="zh-CN" altLang="en-US"/>
           </a:p>
@@ -1012,7 +1013,7 @@
           <a:p>
             <a:fld id="{C722BAD0-F409-41BB-929B-B4575BCF33BC}" type="datetimeFigureOut">
               <a:rPr lang="zh-CN" altLang="en-US" smtClean="0"/>
-              <a:t>2021/06/25</a:t>
+              <a:t>2021/08/05</a:t>
             </a:fld>
             <a:endParaRPr lang="zh-CN" altLang="en-US"/>
           </a:p>
@@ -1244,7 +1245,7 @@
           <a:p>
             <a:fld id="{C722BAD0-F409-41BB-929B-B4575BCF33BC}" type="datetimeFigureOut">
               <a:rPr lang="zh-CN" altLang="en-US" smtClean="0"/>
-              <a:t>2021/06/25</a:t>
+              <a:t>2021/08/05</a:t>
             </a:fld>
             <a:endParaRPr lang="zh-CN" altLang="en-US"/>
           </a:p>
@@ -1611,7 +1612,7 @@
           <a:p>
             <a:fld id="{C722BAD0-F409-41BB-929B-B4575BCF33BC}" type="datetimeFigureOut">
               <a:rPr lang="zh-CN" altLang="en-US" smtClean="0"/>
-              <a:t>2021/06/25</a:t>
+              <a:t>2021/08/05</a:t>
             </a:fld>
             <a:endParaRPr lang="zh-CN" altLang="en-US"/>
           </a:p>
@@ -1729,7 +1730,7 @@
           <a:p>
             <a:fld id="{C722BAD0-F409-41BB-929B-B4575BCF33BC}" type="datetimeFigureOut">
               <a:rPr lang="zh-CN" altLang="en-US" smtClean="0"/>
-              <a:t>2021/06/25</a:t>
+              <a:t>2021/08/05</a:t>
             </a:fld>
             <a:endParaRPr lang="zh-CN" altLang="en-US"/>
           </a:p>
@@ -1824,7 +1825,7 @@
           <a:p>
             <a:fld id="{C722BAD0-F409-41BB-929B-B4575BCF33BC}" type="datetimeFigureOut">
               <a:rPr lang="zh-CN" altLang="en-US" smtClean="0"/>
-              <a:t>2021/06/25</a:t>
+              <a:t>2021/08/05</a:t>
             </a:fld>
             <a:endParaRPr lang="zh-CN" altLang="en-US"/>
           </a:p>
@@ -2101,7 +2102,7 @@
           <a:p>
             <a:fld id="{C722BAD0-F409-41BB-929B-B4575BCF33BC}" type="datetimeFigureOut">
               <a:rPr lang="zh-CN" altLang="en-US" smtClean="0"/>
-              <a:t>2021/06/25</a:t>
+              <a:t>2021/08/05</a:t>
             </a:fld>
             <a:endParaRPr lang="zh-CN" altLang="en-US"/>
           </a:p>
@@ -2358,7 +2359,7 @@
           <a:p>
             <a:fld id="{C722BAD0-F409-41BB-929B-B4575BCF33BC}" type="datetimeFigureOut">
               <a:rPr lang="zh-CN" altLang="en-US" smtClean="0"/>
-              <a:t>2021/06/25</a:t>
+              <a:t>2021/08/05</a:t>
             </a:fld>
             <a:endParaRPr lang="zh-CN" altLang="en-US"/>
           </a:p>
@@ -2571,7 +2572,7 @@
           <a:p>
             <a:fld id="{C722BAD0-F409-41BB-929B-B4575BCF33BC}" type="datetimeFigureOut">
               <a:rPr lang="zh-CN" altLang="en-US" smtClean="0"/>
-              <a:t>2021/06/25</a:t>
+              <a:t>2021/08/05</a:t>
             </a:fld>
             <a:endParaRPr lang="zh-CN" altLang="en-US"/>
           </a:p>
@@ -6195,6 +6196,602 @@
 </p:sld>
 </file>
 
+<file path=ppt/slides/slide7.xml><?xml version="1.0" encoding="utf-8"?>
+<p:sld xmlns:a="http://schemas.openxmlformats.org/drawingml/2006/main" xmlns:r="http://schemas.openxmlformats.org/officeDocument/2006/relationships" xmlns:p="http://schemas.openxmlformats.org/presentationml/2006/main">
+  <p:cSld>
+    <p:spTree>
+      <p:nvGrpSpPr>
+        <p:cNvPr id="1" name=""/>
+        <p:cNvGrpSpPr/>
+        <p:nvPr/>
+      </p:nvGrpSpPr>
+      <p:grpSpPr>
+        <a:xfrm>
+          <a:off x="0" y="0"/>
+          <a:ext cx="0" cy="0"/>
+          <a:chOff x="0" y="0"/>
+          <a:chExt cx="0" cy="0"/>
+        </a:xfrm>
+      </p:grpSpPr>
+      <p:sp>
+        <p:nvSpPr>
+          <p:cNvPr id="4" name="矩形 3">
+            <a:extLst>
+              <a:ext uri="{FF2B5EF4-FFF2-40B4-BE49-F238E27FC236}">
+                <a16:creationId xmlns:a16="http://schemas.microsoft.com/office/drawing/2014/main" id="{002C64E0-DB65-42B7-B333-A0453A87E2E7}"/>
+              </a:ext>
+            </a:extLst>
+          </p:cNvPr>
+          <p:cNvSpPr/>
+          <p:nvPr/>
+        </p:nvSpPr>
+        <p:spPr>
+          <a:xfrm>
+            <a:off x="3826031" y="811398"/>
+            <a:ext cx="1519081" cy="765179"/>
+          </a:xfrm>
+          <a:prstGeom prst="rect">
+            <a:avLst/>
+          </a:prstGeom>
+        </p:spPr>
+        <p:style>
+          <a:lnRef idx="2">
+            <a:schemeClr val="dk1"/>
+          </a:lnRef>
+          <a:fillRef idx="1">
+            <a:schemeClr val="lt1"/>
+          </a:fillRef>
+          <a:effectRef idx="0">
+            <a:schemeClr val="dk1"/>
+          </a:effectRef>
+          <a:fontRef idx="minor">
+            <a:schemeClr val="dk1"/>
+          </a:fontRef>
+        </p:style>
+        <p:txBody>
+          <a:bodyPr rot="0" spcFirstLastPara="0" vertOverflow="overflow" horzOverflow="overflow" vert="horz" wrap="square" lIns="100796" tIns="50398" rIns="100796" bIns="50398" numCol="1" spcCol="0" rtlCol="0" fromWordArt="0" anchor="ctr" anchorCtr="0" forceAA="0" compatLnSpc="1">
+            <a:prstTxWarp prst="textNoShape">
+              <a:avLst/>
+            </a:prstTxWarp>
+            <a:noAutofit/>
+          </a:bodyPr>
+          <a:lstStyle/>
+          <a:p>
+            <a:pPr algn="ctr"/>
+            <a:endParaRPr lang="zh-CN" altLang="en-US" sz="1984"/>
+          </a:p>
+        </p:txBody>
+      </p:sp>
+      <p:sp>
+        <p:nvSpPr>
+          <p:cNvPr id="15" name="文本框 14">
+            <a:extLst>
+              <a:ext uri="{FF2B5EF4-FFF2-40B4-BE49-F238E27FC236}">
+                <a16:creationId xmlns:a16="http://schemas.microsoft.com/office/drawing/2014/main" id="{67B0544A-52EC-4824-8B70-9EDD55F775A1}"/>
+              </a:ext>
+            </a:extLst>
+          </p:cNvPr>
+          <p:cNvSpPr txBox="1"/>
+          <p:nvPr/>
+        </p:nvSpPr>
+        <p:spPr>
+          <a:xfrm>
+            <a:off x="-572148" y="499085"/>
+            <a:ext cx="3679531" cy="397673"/>
+          </a:xfrm>
+          <a:prstGeom prst="rect">
+            <a:avLst/>
+          </a:prstGeom>
+          <a:noFill/>
+        </p:spPr>
+        <p:txBody>
+          <a:bodyPr wrap="square" rtlCol="0">
+            <a:spAutoFit/>
+          </a:bodyPr>
+          <a:lstStyle/>
+          <a:p>
+            <a:endParaRPr lang="zh-CN" altLang="en-US" sz="1984" dirty="0"/>
+          </a:p>
+        </p:txBody>
+      </p:sp>
+      <p:sp>
+        <p:nvSpPr>
+          <p:cNvPr id="16" name="文本框 15">
+            <a:extLst>
+              <a:ext uri="{FF2B5EF4-FFF2-40B4-BE49-F238E27FC236}">
+                <a16:creationId xmlns:a16="http://schemas.microsoft.com/office/drawing/2014/main" id="{EE6751D9-17B5-4576-9509-E0939A19C9D8}"/>
+              </a:ext>
+            </a:extLst>
+          </p:cNvPr>
+          <p:cNvSpPr txBox="1"/>
+          <p:nvPr/>
+        </p:nvSpPr>
+        <p:spPr>
+          <a:xfrm>
+            <a:off x="3945076" y="1024710"/>
+            <a:ext cx="1280990" cy="338554"/>
+          </a:xfrm>
+          <a:prstGeom prst="rect">
+            <a:avLst/>
+          </a:prstGeom>
+          <a:noFill/>
+        </p:spPr>
+        <p:txBody>
+          <a:bodyPr wrap="square" rtlCol="0">
+            <a:spAutoFit/>
+          </a:bodyPr>
+          <a:lstStyle/>
+          <a:p>
+            <a:r>
+              <a:rPr lang="en-US" altLang="zh-CN" sz="1600" b="1" dirty="0" err="1">
+                <a:latin typeface="Courier New" panose="02070309020205020404" pitchFamily="49" charset="0"/>
+                <a:cs typeface="Courier New" panose="02070309020205020404" pitchFamily="49" charset="0"/>
+              </a:rPr>
+              <a:t>base_ios</a:t>
+            </a:r>
+            <a:endParaRPr lang="zh-CN" altLang="en-US" sz="1600" b="1" dirty="0">
+              <a:latin typeface="Courier New" panose="02070309020205020404" pitchFamily="49" charset="0"/>
+              <a:cs typeface="Courier New" panose="02070309020205020404" pitchFamily="49" charset="0"/>
+            </a:endParaRPr>
+          </a:p>
+        </p:txBody>
+      </p:sp>
+      <p:sp>
+        <p:nvSpPr>
+          <p:cNvPr id="17" name="文本框 16">
+            <a:extLst>
+              <a:ext uri="{FF2B5EF4-FFF2-40B4-BE49-F238E27FC236}">
+                <a16:creationId xmlns:a16="http://schemas.microsoft.com/office/drawing/2014/main" id="{1959F351-5653-4AB7-9CD8-D3B3E7FBE216}"/>
+              </a:ext>
+            </a:extLst>
+          </p:cNvPr>
+          <p:cNvSpPr txBox="1"/>
+          <p:nvPr/>
+        </p:nvSpPr>
+        <p:spPr>
+          <a:xfrm>
+            <a:off x="4811610" y="2662278"/>
+            <a:ext cx="1212041" cy="369332"/>
+          </a:xfrm>
+          <a:prstGeom prst="rect">
+            <a:avLst/>
+          </a:prstGeom>
+          <a:noFill/>
+        </p:spPr>
+        <p:txBody>
+          <a:bodyPr wrap="square" rtlCol="0">
+            <a:spAutoFit/>
+          </a:bodyPr>
+          <a:lstStyle/>
+          <a:p>
+            <a:r>
+              <a:rPr lang="en-US" altLang="zh-CN" b="1" dirty="0" err="1">
+                <a:latin typeface="Courier New" panose="02070309020205020404" pitchFamily="49" charset="0"/>
+                <a:cs typeface="Courier New" panose="02070309020205020404" pitchFamily="49" charset="0"/>
+              </a:rPr>
+              <a:t>ostream</a:t>
+            </a:r>
+            <a:endParaRPr lang="zh-CN" altLang="en-US" b="1" dirty="0">
+              <a:latin typeface="Courier New" panose="02070309020205020404" pitchFamily="49" charset="0"/>
+              <a:cs typeface="Courier New" panose="02070309020205020404" pitchFamily="49" charset="0"/>
+            </a:endParaRPr>
+          </a:p>
+        </p:txBody>
+      </p:sp>
+      <p:sp>
+        <p:nvSpPr>
+          <p:cNvPr id="2" name="矩形 1">
+            <a:extLst>
+              <a:ext uri="{FF2B5EF4-FFF2-40B4-BE49-F238E27FC236}">
+                <a16:creationId xmlns:a16="http://schemas.microsoft.com/office/drawing/2014/main" id="{51296686-3BA3-4F64-8A15-67470F881BD2}"/>
+              </a:ext>
+            </a:extLst>
+          </p:cNvPr>
+          <p:cNvSpPr/>
+          <p:nvPr/>
+        </p:nvSpPr>
+        <p:spPr>
+          <a:xfrm>
+            <a:off x="3079572" y="2563333"/>
+            <a:ext cx="1338500" cy="573841"/>
+          </a:xfrm>
+          <a:prstGeom prst="rect">
+            <a:avLst/>
+          </a:prstGeom>
+          <a:noFill/>
+        </p:spPr>
+        <p:style>
+          <a:lnRef idx="2">
+            <a:schemeClr val="dk1"/>
+          </a:lnRef>
+          <a:fillRef idx="1">
+            <a:schemeClr val="lt1"/>
+          </a:fillRef>
+          <a:effectRef idx="0">
+            <a:schemeClr val="dk1"/>
+          </a:effectRef>
+          <a:fontRef idx="minor">
+            <a:schemeClr val="dk1"/>
+          </a:fontRef>
+        </p:style>
+        <p:txBody>
+          <a:bodyPr rot="0" spcFirstLastPara="0" vertOverflow="overflow" horzOverflow="overflow" vert="horz" wrap="square" lIns="100796" tIns="50398" rIns="100796" bIns="50398" numCol="1" spcCol="0" rtlCol="0" fromWordArt="0" anchor="ctr" anchorCtr="0" forceAA="0" compatLnSpc="1">
+            <a:prstTxWarp prst="textNoShape">
+              <a:avLst/>
+            </a:prstTxWarp>
+            <a:noAutofit/>
+          </a:bodyPr>
+          <a:lstStyle/>
+          <a:p>
+            <a:pPr algn="ctr"/>
+            <a:endParaRPr lang="zh-CN" altLang="en-US" sz="1984" dirty="0"/>
+          </a:p>
+        </p:txBody>
+      </p:sp>
+      <p:cxnSp>
+        <p:nvCxnSpPr>
+          <p:cNvPr id="10" name="直接连接符 9">
+            <a:extLst>
+              <a:ext uri="{FF2B5EF4-FFF2-40B4-BE49-F238E27FC236}">
+                <a16:creationId xmlns:a16="http://schemas.microsoft.com/office/drawing/2014/main" id="{BB20EE57-EEF7-4212-9050-6442EA4F636C}"/>
+              </a:ext>
+            </a:extLst>
+          </p:cNvPr>
+          <p:cNvCxnSpPr>
+            <a:cxnSpLocks/>
+            <a:endCxn id="11" idx="3"/>
+          </p:cNvCxnSpPr>
+          <p:nvPr/>
+        </p:nvCxnSpPr>
+        <p:spPr>
+          <a:xfrm flipV="1">
+            <a:off x="3826565" y="1722803"/>
+            <a:ext cx="519269" cy="841164"/>
+          </a:xfrm>
+          <a:prstGeom prst="line">
+            <a:avLst/>
+          </a:prstGeom>
+        </p:spPr>
+        <p:style>
+          <a:lnRef idx="1">
+            <a:schemeClr val="dk1"/>
+          </a:lnRef>
+          <a:fillRef idx="0">
+            <a:schemeClr val="dk1"/>
+          </a:fillRef>
+          <a:effectRef idx="0">
+            <a:schemeClr val="dk1"/>
+          </a:effectRef>
+          <a:fontRef idx="minor">
+            <a:schemeClr val="tx1"/>
+          </a:fontRef>
+        </p:style>
+      </p:cxnSp>
+      <p:sp>
+        <p:nvSpPr>
+          <p:cNvPr id="11" name="等腰三角形 10">
+            <a:extLst>
+              <a:ext uri="{FF2B5EF4-FFF2-40B4-BE49-F238E27FC236}">
+                <a16:creationId xmlns:a16="http://schemas.microsoft.com/office/drawing/2014/main" id="{714831A6-12A6-419C-A632-366C3D708DD8}"/>
+              </a:ext>
+            </a:extLst>
+          </p:cNvPr>
+          <p:cNvSpPr/>
+          <p:nvPr/>
+        </p:nvSpPr>
+        <p:spPr>
+          <a:xfrm rot="1532067">
+            <a:off x="4266174" y="1586699"/>
+            <a:ext cx="220999" cy="143092"/>
+          </a:xfrm>
+          <a:prstGeom prst="triangle">
+            <a:avLst/>
+          </a:prstGeom>
+        </p:spPr>
+        <p:style>
+          <a:lnRef idx="2">
+            <a:schemeClr val="dk1"/>
+          </a:lnRef>
+          <a:fillRef idx="1">
+            <a:schemeClr val="lt1"/>
+          </a:fillRef>
+          <a:effectRef idx="0">
+            <a:schemeClr val="dk1"/>
+          </a:effectRef>
+          <a:fontRef idx="minor">
+            <a:schemeClr val="dk1"/>
+          </a:fontRef>
+        </p:style>
+        <p:txBody>
+          <a:bodyPr rtlCol="0" anchor="ctr"/>
+          <a:lstStyle/>
+          <a:p>
+            <a:pPr algn="ctr"/>
+            <a:endParaRPr lang="zh-CN" altLang="en-US"/>
+          </a:p>
+        </p:txBody>
+      </p:sp>
+      <p:sp>
+        <p:nvSpPr>
+          <p:cNvPr id="12" name="文本框 11">
+            <a:extLst>
+              <a:ext uri="{FF2B5EF4-FFF2-40B4-BE49-F238E27FC236}">
+                <a16:creationId xmlns:a16="http://schemas.microsoft.com/office/drawing/2014/main" id="{75A02D85-1D6E-4C71-AEFF-E7E2A5CB7F77}"/>
+              </a:ext>
+            </a:extLst>
+          </p:cNvPr>
+          <p:cNvSpPr txBox="1"/>
+          <p:nvPr/>
+        </p:nvSpPr>
+        <p:spPr>
+          <a:xfrm>
+            <a:off x="3190563" y="2655396"/>
+            <a:ext cx="1160585" cy="369332"/>
+          </a:xfrm>
+          <a:prstGeom prst="rect">
+            <a:avLst/>
+          </a:prstGeom>
+          <a:noFill/>
+        </p:spPr>
+        <p:txBody>
+          <a:bodyPr wrap="square" rtlCol="0">
+            <a:spAutoFit/>
+          </a:bodyPr>
+          <a:lstStyle/>
+          <a:p>
+            <a:r>
+              <a:rPr lang="en-US" altLang="zh-CN" b="1" dirty="0" err="1">
+                <a:latin typeface="Courier New" panose="02070309020205020404" pitchFamily="49" charset="0"/>
+                <a:cs typeface="Courier New" panose="02070309020205020404" pitchFamily="49" charset="0"/>
+              </a:rPr>
+              <a:t>istream</a:t>
+            </a:r>
+            <a:endParaRPr lang="zh-CN" altLang="en-US" b="1" dirty="0">
+              <a:latin typeface="Courier New" panose="02070309020205020404" pitchFamily="49" charset="0"/>
+              <a:cs typeface="Courier New" panose="02070309020205020404" pitchFamily="49" charset="0"/>
+            </a:endParaRPr>
+          </a:p>
+        </p:txBody>
+      </p:sp>
+      <p:sp>
+        <p:nvSpPr>
+          <p:cNvPr id="13" name="矩形 12">
+            <a:extLst>
+              <a:ext uri="{FF2B5EF4-FFF2-40B4-BE49-F238E27FC236}">
+                <a16:creationId xmlns:a16="http://schemas.microsoft.com/office/drawing/2014/main" id="{4BB3A088-3566-4778-9C74-134E072BBD32}"/>
+              </a:ext>
+            </a:extLst>
+          </p:cNvPr>
+          <p:cNvSpPr/>
+          <p:nvPr/>
+        </p:nvSpPr>
+        <p:spPr>
+          <a:xfrm>
+            <a:off x="4704607" y="2581444"/>
+            <a:ext cx="1338500" cy="573841"/>
+          </a:xfrm>
+          <a:prstGeom prst="rect">
+            <a:avLst/>
+          </a:prstGeom>
+          <a:noFill/>
+        </p:spPr>
+        <p:style>
+          <a:lnRef idx="2">
+            <a:schemeClr val="dk1"/>
+          </a:lnRef>
+          <a:fillRef idx="1">
+            <a:schemeClr val="lt1"/>
+          </a:fillRef>
+          <a:effectRef idx="0">
+            <a:schemeClr val="dk1"/>
+          </a:effectRef>
+          <a:fontRef idx="minor">
+            <a:schemeClr val="dk1"/>
+          </a:fontRef>
+        </p:style>
+        <p:txBody>
+          <a:bodyPr rot="0" spcFirstLastPara="0" vertOverflow="overflow" horzOverflow="overflow" vert="horz" wrap="square" lIns="100796" tIns="50398" rIns="100796" bIns="50398" numCol="1" spcCol="0" rtlCol="0" fromWordArt="0" anchor="ctr" anchorCtr="0" forceAA="0" compatLnSpc="1">
+            <a:prstTxWarp prst="textNoShape">
+              <a:avLst/>
+            </a:prstTxWarp>
+            <a:noAutofit/>
+          </a:bodyPr>
+          <a:lstStyle/>
+          <a:p>
+            <a:pPr algn="ctr"/>
+            <a:endParaRPr lang="zh-CN" altLang="en-US" sz="1984" dirty="0"/>
+          </a:p>
+        </p:txBody>
+      </p:sp>
+      <p:sp>
+        <p:nvSpPr>
+          <p:cNvPr id="14" name="等腰三角形 13">
+            <a:extLst>
+              <a:ext uri="{FF2B5EF4-FFF2-40B4-BE49-F238E27FC236}">
+                <a16:creationId xmlns:a16="http://schemas.microsoft.com/office/drawing/2014/main" id="{E0369A01-170A-4CA9-99A0-005A40A45BCB}"/>
+              </a:ext>
+            </a:extLst>
+          </p:cNvPr>
+          <p:cNvSpPr/>
+          <p:nvPr/>
+        </p:nvSpPr>
+        <p:spPr>
+          <a:xfrm rot="19787134">
+            <a:off x="4622954" y="1591568"/>
+            <a:ext cx="173523" cy="162264"/>
+          </a:xfrm>
+          <a:prstGeom prst="triangle">
+            <a:avLst/>
+          </a:prstGeom>
+        </p:spPr>
+        <p:style>
+          <a:lnRef idx="2">
+            <a:schemeClr val="dk1"/>
+          </a:lnRef>
+          <a:fillRef idx="1">
+            <a:schemeClr val="lt1"/>
+          </a:fillRef>
+          <a:effectRef idx="0">
+            <a:schemeClr val="dk1"/>
+          </a:effectRef>
+          <a:fontRef idx="minor">
+            <a:schemeClr val="dk1"/>
+          </a:fontRef>
+        </p:style>
+        <p:txBody>
+          <a:bodyPr rtlCol="0" anchor="ctr"/>
+          <a:lstStyle/>
+          <a:p>
+            <a:pPr algn="ctr"/>
+            <a:endParaRPr lang="zh-CN" altLang="en-US"/>
+          </a:p>
+        </p:txBody>
+      </p:sp>
+      <p:cxnSp>
+        <p:nvCxnSpPr>
+          <p:cNvPr id="18" name="直接连接符 17">
+            <a:extLst>
+              <a:ext uri="{FF2B5EF4-FFF2-40B4-BE49-F238E27FC236}">
+                <a16:creationId xmlns:a16="http://schemas.microsoft.com/office/drawing/2014/main" id="{FC09C62C-B467-4B5A-8B27-36BB4EFCEDD8}"/>
+              </a:ext>
+            </a:extLst>
+          </p:cNvPr>
+          <p:cNvCxnSpPr>
+            <a:cxnSpLocks/>
+            <a:stCxn id="13" idx="0"/>
+            <a:endCxn id="14" idx="3"/>
+          </p:cNvCxnSpPr>
+          <p:nvPr/>
+        </p:nvCxnSpPr>
+        <p:spPr>
+          <a:xfrm flipH="1" flipV="1">
+            <a:off x="4750545" y="1742810"/>
+            <a:ext cx="623312" cy="838634"/>
+          </a:xfrm>
+          <a:prstGeom prst="line">
+            <a:avLst/>
+          </a:prstGeom>
+        </p:spPr>
+        <p:style>
+          <a:lnRef idx="1">
+            <a:schemeClr val="dk1"/>
+          </a:lnRef>
+          <a:fillRef idx="0">
+            <a:schemeClr val="dk1"/>
+          </a:fillRef>
+          <a:effectRef idx="0">
+            <a:schemeClr val="dk1"/>
+          </a:effectRef>
+          <a:fontRef idx="minor">
+            <a:schemeClr val="tx1"/>
+          </a:fontRef>
+        </p:style>
+      </p:cxnSp>
+      <p:sp>
+        <p:nvSpPr>
+          <p:cNvPr id="19" name="矩形 18">
+            <a:extLst>
+              <a:ext uri="{FF2B5EF4-FFF2-40B4-BE49-F238E27FC236}">
+                <a16:creationId xmlns:a16="http://schemas.microsoft.com/office/drawing/2014/main" id="{5FB013C1-3F1F-49A6-BBF3-AF7C7392F5FE}"/>
+              </a:ext>
+            </a:extLst>
+          </p:cNvPr>
+          <p:cNvSpPr/>
+          <p:nvPr/>
+        </p:nvSpPr>
+        <p:spPr>
+          <a:xfrm>
+            <a:off x="3945076" y="3708014"/>
+            <a:ext cx="1338500" cy="573841"/>
+          </a:xfrm>
+          <a:prstGeom prst="rect">
+            <a:avLst/>
+          </a:prstGeom>
+          <a:noFill/>
+        </p:spPr>
+        <p:style>
+          <a:lnRef idx="2">
+            <a:schemeClr val="dk1"/>
+          </a:lnRef>
+          <a:fillRef idx="1">
+            <a:schemeClr val="lt1"/>
+          </a:fillRef>
+          <a:effectRef idx="0">
+            <a:schemeClr val="dk1"/>
+          </a:effectRef>
+          <a:fontRef idx="minor">
+            <a:schemeClr val="dk1"/>
+          </a:fontRef>
+        </p:style>
+        <p:txBody>
+          <a:bodyPr rot="0" spcFirstLastPara="0" vertOverflow="overflow" horzOverflow="overflow" vert="horz" wrap="square" lIns="100796" tIns="50398" rIns="100796" bIns="50398" numCol="1" spcCol="0" rtlCol="0" fromWordArt="0" anchor="ctr" anchorCtr="0" forceAA="0" compatLnSpc="1">
+            <a:prstTxWarp prst="textNoShape">
+              <a:avLst/>
+            </a:prstTxWarp>
+            <a:noAutofit/>
+          </a:bodyPr>
+          <a:lstStyle/>
+          <a:p>
+            <a:pPr algn="ctr"/>
+            <a:endParaRPr lang="zh-CN" altLang="en-US" sz="1984" dirty="0"/>
+          </a:p>
+        </p:txBody>
+      </p:sp>
+      <p:sp>
+        <p:nvSpPr>
+          <p:cNvPr id="20" name="文本框 19">
+            <a:extLst>
+              <a:ext uri="{FF2B5EF4-FFF2-40B4-BE49-F238E27FC236}">
+                <a16:creationId xmlns:a16="http://schemas.microsoft.com/office/drawing/2014/main" id="{A2DB73E9-97B4-4AC9-9BF8-853FF1474051}"/>
+              </a:ext>
+            </a:extLst>
+          </p:cNvPr>
+          <p:cNvSpPr txBox="1"/>
+          <p:nvPr/>
+        </p:nvSpPr>
+        <p:spPr>
+          <a:xfrm>
+            <a:off x="3969803" y="3810268"/>
+            <a:ext cx="1289045" cy="369332"/>
+          </a:xfrm>
+          <a:prstGeom prst="rect">
+            <a:avLst/>
+          </a:prstGeom>
+          <a:noFill/>
+        </p:spPr>
+        <p:txBody>
+          <a:bodyPr wrap="square" rtlCol="0">
+            <a:spAutoFit/>
+          </a:bodyPr>
+          <a:lstStyle/>
+          <a:p>
+            <a:r>
+              <a:rPr lang="en-US" altLang="zh-CN" b="1" dirty="0">
+                <a:latin typeface="Courier New" panose="02070309020205020404" pitchFamily="49" charset="0"/>
+                <a:cs typeface="Courier New" panose="02070309020205020404" pitchFamily="49" charset="0"/>
+              </a:rPr>
+              <a:t>iostream</a:t>
+            </a:r>
+            <a:endParaRPr lang="zh-CN" altLang="en-US" b="1" dirty="0">
+              <a:latin typeface="Courier New" panose="02070309020205020404" pitchFamily="49" charset="0"/>
+              <a:cs typeface="Courier New" panose="02070309020205020404" pitchFamily="49" charset="0"/>
+            </a:endParaRPr>
+          </a:p>
+        </p:txBody>
+      </p:sp>
+    </p:spTree>
+    <p:extLst>
+      <p:ext uri="{BB962C8B-B14F-4D97-AF65-F5344CB8AC3E}">
+        <p14:creationId xmlns:p14="http://schemas.microsoft.com/office/powerpoint/2010/main" val="729699379"/>
+      </p:ext>
+    </p:extLst>
+  </p:cSld>
+  <p:clrMapOvr>
+    <a:masterClrMapping/>
+  </p:clrMapOvr>
+</p:sld>
+</file>
+
 <file path=ppt/theme/theme1.xml><?xml version="1.0" encoding="utf-8"?>
 <a:theme xmlns:a="http://schemas.openxmlformats.org/drawingml/2006/main" name="Office 主题​​">
   <a:themeElements>
